--- a/lesson10.pptx
+++ b/lesson10.pptx
@@ -144,13 +144,13 @@
 <pc:chgInfo xmlns:a="http://schemas.openxmlformats.org/drawingml/2006/main" xmlns:r="http://schemas.openxmlformats.org/officeDocument/2006/relationships" xmlns:ac="http://schemas.microsoft.com/office/drawing/2013/main/command" xmlns:pc="http://schemas.microsoft.com/office/powerpoint/2013/main/command">
   <pc:docChgLst>
     <pc:chgData name="Anatoliy Kigel" userId="7432c6c4687b0a9c" providerId="LiveId" clId="{5A31DC9E-EA2F-4894-8F8C-6E2575A707E0}"/>
-    <pc:docChg chg="custSel modSld">
-      <pc:chgData name="Anatoliy Kigel" userId="7432c6c4687b0a9c" providerId="LiveId" clId="{5A31DC9E-EA2F-4894-8F8C-6E2575A707E0}" dt="2021-04-09T09:27:02.540" v="13" actId="1076"/>
+    <pc:docChg chg="undo custSel modSld">
+      <pc:chgData name="Anatoliy Kigel" userId="7432c6c4687b0a9c" providerId="LiveId" clId="{5A31DC9E-EA2F-4894-8F8C-6E2575A707E0}" dt="2021-04-10T17:54:22.422" v="476" actId="1440"/>
       <pc:docMkLst>
         <pc:docMk/>
       </pc:docMkLst>
       <pc:sldChg chg="addSp delSp modSp mod">
-        <pc:chgData name="Anatoliy Kigel" userId="7432c6c4687b0a9c" providerId="LiveId" clId="{5A31DC9E-EA2F-4894-8F8C-6E2575A707E0}" dt="2021-04-09T09:27:02.540" v="13" actId="1076"/>
+        <pc:chgData name="Anatoliy Kigel" userId="7432c6c4687b0a9c" providerId="LiveId" clId="{5A31DC9E-EA2F-4894-8F8C-6E2575A707E0}" dt="2021-04-10T17:54:22.422" v="476" actId="1440"/>
         <pc:sldMkLst>
           <pc:docMk/>
           <pc:sldMk cId="2610163172" sldId="560"/>
@@ -164,15 +164,15 @@
           </ac:spMkLst>
         </pc:spChg>
         <pc:spChg chg="mod">
-          <ac:chgData name="Anatoliy Kigel" userId="7432c6c4687b0a9c" providerId="LiveId" clId="{5A31DC9E-EA2F-4894-8F8C-6E2575A707E0}" dt="2021-04-09T09:26:47.319" v="9" actId="1076"/>
+          <ac:chgData name="Anatoliy Kigel" userId="7432c6c4687b0a9c" providerId="LiveId" clId="{5A31DC9E-EA2F-4894-8F8C-6E2575A707E0}" dt="2021-04-10T17:53:02.404" v="464" actId="14100"/>
           <ac:spMkLst>
             <pc:docMk/>
             <pc:sldMk cId="2610163172" sldId="560"/>
             <ac:spMk id="9" creationId="{00000000-0000-0000-0000-000000000000}"/>
           </ac:spMkLst>
         </pc:spChg>
-        <pc:spChg chg="mod">
-          <ac:chgData name="Anatoliy Kigel" userId="7432c6c4687b0a9c" providerId="LiveId" clId="{5A31DC9E-EA2F-4894-8F8C-6E2575A707E0}" dt="2021-04-09T09:26:43.970" v="7" actId="1076"/>
+        <pc:spChg chg="del mod">
+          <ac:chgData name="Anatoliy Kigel" userId="7432c6c4687b0a9c" providerId="LiveId" clId="{5A31DC9E-EA2F-4894-8F8C-6E2575A707E0}" dt="2021-04-10T17:49:49.559" v="14" actId="478"/>
           <ac:spMkLst>
             <pc:docMk/>
             <pc:sldMk cId="2610163172" sldId="560"/>
@@ -180,7 +180,15 @@
           </ac:spMkLst>
         </pc:spChg>
         <pc:picChg chg="add mod modCrop">
-          <ac:chgData name="Anatoliy Kigel" userId="7432c6c4687b0a9c" providerId="LiveId" clId="{5A31DC9E-EA2F-4894-8F8C-6E2575A707E0}" dt="2021-04-09T09:27:02.540" v="13" actId="1076"/>
+          <ac:chgData name="Anatoliy Kigel" userId="7432c6c4687b0a9c" providerId="LiveId" clId="{5A31DC9E-EA2F-4894-8F8C-6E2575A707E0}" dt="2021-04-10T17:54:22.422" v="476" actId="1440"/>
+          <ac:picMkLst>
+            <pc:docMk/>
+            <pc:sldMk cId="2610163172" sldId="560"/>
+            <ac:picMk id="4" creationId="{CC82C22F-4970-4812-817F-0C754E1CA20D}"/>
+          </ac:picMkLst>
+        </pc:picChg>
+        <pc:picChg chg="add del mod modCrop">
+          <ac:chgData name="Anatoliy Kigel" userId="7432c6c4687b0a9c" providerId="LiveId" clId="{5A31DC9E-EA2F-4894-8F8C-6E2575A707E0}" dt="2021-04-10T17:54:06.092" v="466" actId="478"/>
           <ac:picMkLst>
             <pc:docMk/>
             <pc:sldMk cId="2610163172" sldId="560"/>
@@ -322,7 +330,7 @@
             <a:fld id="{85522811-C5C6-42D2-A409-F8556720C93F}" type="datetimeFigureOut">
               <a:rPr lang="uk-UA" smtClean="0"/>
               <a:pPr/>
-              <a:t>09.04.2021</a:t>
+              <a:t>10.04.2021</a:t>
             </a:fld>
             <a:endParaRPr lang="uk-UA"/>
           </a:p>
@@ -862,7 +870,7 @@
             <a:fld id="{E6FC6B0D-6115-4D7C-8040-9C8E2349BB6E}" type="datetime1">
               <a:rPr lang="uk-UA" smtClean="0"/>
               <a:pPr/>
-              <a:t>09.04.2021</a:t>
+              <a:t>10.04.2021</a:t>
             </a:fld>
             <a:endParaRPr lang="uk-UA"/>
           </a:p>
@@ -1029,7 +1037,7 @@
             <a:fld id="{996367BA-0A39-4DE2-BFC3-D5290044365E}" type="datetime1">
               <a:rPr lang="uk-UA" smtClean="0"/>
               <a:pPr/>
-              <a:t>09.04.2021</a:t>
+              <a:t>10.04.2021</a:t>
             </a:fld>
             <a:endParaRPr lang="uk-UA"/>
           </a:p>
@@ -1206,7 +1214,7 @@
             <a:fld id="{1BD6A67F-6C29-47DC-AF8A-FDB3C787DF70}" type="datetime1">
               <a:rPr lang="uk-UA" smtClean="0"/>
               <a:pPr/>
-              <a:t>09.04.2021</a:t>
+              <a:t>10.04.2021</a:t>
             </a:fld>
             <a:endParaRPr lang="uk-UA"/>
           </a:p>
@@ -1373,7 +1381,7 @@
             <a:fld id="{1657D9C5-7FF1-434F-B56E-9BAD559744E9}" type="datetime1">
               <a:rPr lang="uk-UA" smtClean="0"/>
               <a:pPr/>
-              <a:t>09.04.2021</a:t>
+              <a:t>10.04.2021</a:t>
             </a:fld>
             <a:endParaRPr lang="uk-UA"/>
           </a:p>
@@ -1616,7 +1624,7 @@
             <a:fld id="{2CEB0FC9-DE63-476B-A1A9-BE934D9049F8}" type="datetime1">
               <a:rPr lang="uk-UA" smtClean="0"/>
               <a:pPr/>
-              <a:t>09.04.2021</a:t>
+              <a:t>10.04.2021</a:t>
             </a:fld>
             <a:endParaRPr lang="uk-UA"/>
           </a:p>
@@ -1901,7 +1909,7 @@
             <a:fld id="{F964460F-86E2-4DF6-9D0F-12F5005CF375}" type="datetime1">
               <a:rPr lang="uk-UA" smtClean="0"/>
               <a:pPr/>
-              <a:t>09.04.2021</a:t>
+              <a:t>10.04.2021</a:t>
             </a:fld>
             <a:endParaRPr lang="uk-UA"/>
           </a:p>
@@ -2320,7 +2328,7 @@
             <a:fld id="{C521715E-DDCD-4267-B0A5-2918B6F6768A}" type="datetime1">
               <a:rPr lang="uk-UA" smtClean="0"/>
               <a:pPr/>
-              <a:t>09.04.2021</a:t>
+              <a:t>10.04.2021</a:t>
             </a:fld>
             <a:endParaRPr lang="uk-UA"/>
           </a:p>
@@ -2435,7 +2443,7 @@
             <a:fld id="{9289842C-EB2D-4EBB-A272-2F6A49D9794D}" type="datetime1">
               <a:rPr lang="uk-UA" smtClean="0"/>
               <a:pPr/>
-              <a:t>09.04.2021</a:t>
+              <a:t>10.04.2021</a:t>
             </a:fld>
             <a:endParaRPr lang="uk-UA"/>
           </a:p>
@@ -2527,7 +2535,7 @@
             <a:fld id="{D036F091-B700-4B52-99AC-85D0FD94D904}" type="datetime1">
               <a:rPr lang="uk-UA" smtClean="0"/>
               <a:pPr/>
-              <a:t>09.04.2021</a:t>
+              <a:t>10.04.2021</a:t>
             </a:fld>
             <a:endParaRPr lang="uk-UA"/>
           </a:p>
@@ -2801,7 +2809,7 @@
             <a:fld id="{B35DFABA-3811-4634-B803-2EAC4CD0063B}" type="datetime1">
               <a:rPr lang="uk-UA" smtClean="0"/>
               <a:pPr/>
-              <a:t>09.04.2021</a:t>
+              <a:t>10.04.2021</a:t>
             </a:fld>
             <a:endParaRPr lang="uk-UA"/>
           </a:p>
@@ -3051,7 +3059,7 @@
             <a:fld id="{8A9EA25E-F88E-463A-A119-D1E55A881002}" type="datetime1">
               <a:rPr lang="uk-UA" smtClean="0"/>
               <a:pPr/>
-              <a:t>09.04.2021</a:t>
+              <a:t>10.04.2021</a:t>
             </a:fld>
             <a:endParaRPr lang="uk-UA"/>
           </a:p>
@@ -3261,7 +3269,7 @@
             <a:fld id="{E708ED03-0080-49A2-B709-7DA4ACB3A1C3}" type="datetime1">
               <a:rPr lang="uk-UA" smtClean="0"/>
               <a:pPr/>
-              <a:t>09.04.2021</a:t>
+              <a:t>10.04.2021</a:t>
             </a:fld>
             <a:endParaRPr lang="uk-UA"/>
           </a:p>
@@ -4575,14 +4583,14 @@
       </p:sp>
       <p:sp>
         <p:nvSpPr>
-          <p:cNvPr id="12" name="TextBox 11"/>
+          <p:cNvPr id="9" name="TextBox 8"/>
           <p:cNvSpPr txBox="1"/>
           <p:nvPr/>
         </p:nvSpPr>
         <p:spPr>
           <a:xfrm>
-            <a:off x="-29235" y="484895"/>
-            <a:ext cx="12192000" cy="584775"/>
+            <a:off x="1559496" y="4833944"/>
+            <a:ext cx="9145016" cy="1323439"/>
           </a:xfrm>
           <a:prstGeom prst="rect">
             <a:avLst/>
@@ -4595,196 +4603,35 @@
           </a:bodyPr>
           <a:lstStyle/>
           <a:p>
-            <a:pPr algn="ctr"/>
-            <a:r>
-              <a:rPr lang="ru-RU" sz="1600" dirty="0"/>
-              <a:t>Так же воспользуйтесь </a:t>
-            </a:r>
-            <a:r>
-              <a:rPr lang="en-US" sz="1600" dirty="0"/>
-              <a:t>API </a:t>
-            </a:r>
-            <a:r>
-              <a:rPr lang="ru-RU" sz="1600" dirty="0"/>
-              <a:t>НБУ по курсам валют:</a:t>
-            </a:r>
-            <a:br>
-              <a:rPr lang="ru-RU" sz="1600" dirty="0"/>
-            </a:br>
-            <a:r>
-              <a:rPr lang="ru-RU" sz="1600" dirty="0"/>
-              <a:t> </a:t>
-            </a:r>
-            <a:r>
-              <a:rPr lang="en-US" sz="1600" b="1" dirty="0">
-                <a:hlinkClick r:id="rId3"/>
-              </a:rPr>
-              <a:t>https://bank.gov.ua/NBUStatService/v1/statdirectory/exchange?json</a:t>
-            </a:r>
-            <a:endParaRPr lang="ru-RU" sz="1600" b="1" dirty="0"/>
-          </a:p>
-        </p:txBody>
-      </p:sp>
-      <p:sp>
-        <p:nvSpPr>
-          <p:cNvPr id="9" name="TextBox 8"/>
-          <p:cNvSpPr txBox="1"/>
-          <p:nvPr/>
-        </p:nvSpPr>
-        <p:spPr>
-          <a:xfrm>
-            <a:off x="1343472" y="4767378"/>
-            <a:ext cx="10333148" cy="2308324"/>
-          </a:xfrm>
-          <a:prstGeom prst="rect">
-            <a:avLst/>
-          </a:prstGeom>
-          <a:noFill/>
-        </p:spPr>
-        <p:txBody>
-          <a:bodyPr wrap="square" rtlCol="0">
-            <a:spAutoFit/>
-          </a:bodyPr>
-          <a:lstStyle/>
-          <a:p>
-            <a:r>
-              <a:rPr lang="ru-RU" dirty="0"/>
-              <a:t>Реализуйте приложение по выводу  </a:t>
-            </a:r>
-            <a:r>
-              <a:rPr lang="ru-RU" b="1" dirty="0"/>
-              <a:t>перечня стран</a:t>
-            </a:r>
-            <a:r>
-              <a:rPr lang="ru-RU" dirty="0"/>
-              <a:t> с валютами которых работает НБУ (если несколько стран имеют общую валюту - </a:t>
-            </a:r>
-            <a:r>
-              <a:rPr lang="ru-RU" b="1" dirty="0"/>
-              <a:t>выводите все эти страны</a:t>
-            </a:r>
-            <a:r>
-              <a:rPr lang="ru-RU" dirty="0"/>
-              <a:t>, пример: зона Евро, или страны использующие</a:t>
-            </a:r>
-            <a:r>
-              <a:rPr lang="en-US" dirty="0"/>
-              <a:t> USD</a:t>
-            </a:r>
-            <a:r>
-              <a:rPr lang="ru-RU" dirty="0"/>
-              <a:t>). Пример разметки на </a:t>
-            </a:r>
-            <a:r>
-              <a:rPr lang="en-US" b="1" dirty="0"/>
-              <a:t>wireframe</a:t>
-            </a:r>
-            <a:r>
-              <a:rPr lang="en-US" dirty="0"/>
-              <a:t>. </a:t>
-            </a:r>
-            <a:r>
-              <a:rPr lang="ru-RU" b="1" dirty="0"/>
-              <a:t>Разметку необходимо подготовить</a:t>
-            </a:r>
-            <a:r>
-              <a:rPr lang="en-US" b="1" dirty="0"/>
-              <a:t> </a:t>
-            </a:r>
-            <a:r>
-              <a:rPr lang="ru-RU" b="1" dirty="0"/>
-              <a:t>или взять разметку из ДЗ </a:t>
-            </a:r>
-            <a:r>
-              <a:rPr lang="en-US" b="1" dirty="0">
-                <a:solidFill>
-                  <a:schemeClr val="accent6">
-                    <a:lumMod val="75000"/>
-                  </a:schemeClr>
-                </a:solidFill>
-              </a:rPr>
-              <a:t>#G.1</a:t>
-            </a:r>
-            <a:r>
-              <a:rPr lang="en-US" b="1" dirty="0"/>
-              <a:t>.</a:t>
-            </a:r>
-            <a:endParaRPr lang="ru-RU" b="1" dirty="0"/>
-          </a:p>
-          <a:p>
-            <a:endParaRPr lang="ru-RU" b="1" dirty="0"/>
-          </a:p>
-          <a:p>
-            <a:r>
-              <a:rPr lang="ru-RU" b="1" u="sng" dirty="0"/>
-              <a:t>+ Добавьте возможность </a:t>
-            </a:r>
-            <a:r>
-              <a:rPr lang="ru-RU" b="1" u="sng" dirty="0">
-                <a:solidFill>
-                  <a:srgbClr val="00B050"/>
-                </a:solidFill>
-              </a:rPr>
-              <a:t>сортировки</a:t>
-            </a:r>
-            <a:r>
-              <a:rPr lang="ru-RU" b="1" u="sng" dirty="0"/>
-              <a:t> по </a:t>
-            </a:r>
-            <a:r>
-              <a:rPr lang="ru-RU" b="1" u="sng" dirty="0">
-                <a:solidFill>
-                  <a:srgbClr val="0070C0"/>
-                </a:solidFill>
-              </a:rPr>
-              <a:t>названию страны </a:t>
-            </a:r>
-            <a:r>
-              <a:rPr lang="ru-RU" b="1" u="sng" dirty="0"/>
-              <a:t>или по </a:t>
-            </a:r>
-            <a:r>
-              <a:rPr lang="ru-RU" b="1" u="sng" dirty="0">
-                <a:solidFill>
-                  <a:srgbClr val="0070C0"/>
-                </a:solidFill>
-              </a:rPr>
-              <a:t>значению курса</a:t>
-            </a:r>
-            <a:r>
-              <a:rPr lang="ru-RU" b="1" u="sng" dirty="0"/>
-              <a:t>.</a:t>
-            </a:r>
-          </a:p>
-          <a:p>
-            <a:endParaRPr lang="ru-RU" b="1" u="sng" dirty="0"/>
-          </a:p>
-          <a:p>
-            <a:r>
-              <a:rPr lang="ru-RU" b="1" u="sng" dirty="0"/>
-              <a:t>++ Добавьте возможность </a:t>
-            </a:r>
-            <a:r>
-              <a:rPr lang="ru-RU" b="1" u="sng" dirty="0">
-                <a:solidFill>
-                  <a:srgbClr val="0070C0"/>
-                </a:solidFill>
-              </a:rPr>
-              <a:t>динамической фильтрации</a:t>
-            </a:r>
-            <a:r>
-              <a:rPr lang="ru-RU" b="1" u="sng" dirty="0"/>
-              <a:t> списка.</a:t>
+            <a:r>
+              <a:rPr lang="ru-RU" sz="2000" dirty="0"/>
+              <a:t>Необходимо: вывести список стран с названием, кодом (2-х и 3-х символьным), столицей, флагом, и </a:t>
+            </a:r>
+            <a:r>
+              <a:rPr lang="ru-RU" sz="2000" b="1" dirty="0"/>
+              <a:t>ФЛАГАМИ</a:t>
+            </a:r>
+            <a:r>
+              <a:rPr lang="ru-RU" sz="2000" dirty="0"/>
+              <a:t> граничащих стран. Должен быть реализован поиск по полям (название, коды, столица). Должна быть возможность сортировать список по названию, либо по </a:t>
+            </a:r>
+            <a:r>
+              <a:rPr lang="ru-RU" sz="2000" b="1" dirty="0"/>
+              <a:t>3-х буквенному </a:t>
+            </a:r>
+            <a:r>
+              <a:rPr lang="ru-RU" sz="2000" dirty="0"/>
+              <a:t>коду, либо по столице.</a:t>
             </a:r>
           </a:p>
         </p:txBody>
       </p:sp>
       <p:pic>
         <p:nvPicPr>
-          <p:cNvPr id="6" name="Рисунок 5">
+          <p:cNvPr id="4" name="Рисунок 3">
             <a:extLst>
               <a:ext uri="{FF2B5EF4-FFF2-40B4-BE49-F238E27FC236}">
-                <a16:creationId xmlns:a16="http://schemas.microsoft.com/office/drawing/2014/main" id="{7A37290F-89DE-43DB-B77C-8BD6B0ECD5FC}"/>
+                <a16:creationId xmlns:a16="http://schemas.microsoft.com/office/drawing/2014/main" id="{CC82C22F-4970-4812-817F-0C754E1CA20D}"/>
               </a:ext>
             </a:extLst>
           </p:cNvPr>
@@ -4794,14 +4641,14 @@
           <p:nvPr/>
         </p:nvPicPr>
         <p:blipFill rotWithShape="1">
-          <a:blip r:embed="rId4"/>
-          <a:srcRect t="3713" b="37527"/>
+          <a:blip r:embed="rId3"/>
+          <a:srcRect t="7957" b="24744"/>
           <a:stretch/>
         </p:blipFill>
         <p:spPr>
           <a:xfrm>
-            <a:off x="0" y="1963221"/>
-            <a:ext cx="12192000" cy="2308324"/>
+            <a:off x="0" y="2168071"/>
+            <a:ext cx="12192000" cy="2125025"/>
           </a:xfrm>
           <a:prstGeom prst="rect">
             <a:avLst/>
